--- a/examples/solar_system_example/pptx/output.pptx
+++ b/examples/solar_system_example/pptx/output.pptx
@@ -358,7 +358,7 @@
             <c:idx val="1"/>
             <c:spPr>
               <a:solidFill>
-                <a:srgbClr val="2d61db"/>
+                <a:srgbClr val="c4811b"/>
               </a:solidFill>
             </c:spPr>
           </c:dPt>
@@ -366,7 +366,7 @@
             <c:idx val="2"/>
             <c:spPr>
               <a:solidFill>
-                <a:srgbClr val="d0b4c5"/>
+                <a:srgbClr val="76f5ce"/>
               </a:solidFill>
             </c:spPr>
           </c:dPt>
@@ -374,7 +374,7 @@
             <c:idx val="3"/>
             <c:spPr>
               <a:solidFill>
-                <a:srgbClr val="83382a"/>
+                <a:srgbClr val="5e0f68"/>
               </a:solidFill>
             </c:spPr>
           </c:dPt>
@@ -382,7 +382,7 @@
             <c:idx val="4"/>
             <c:spPr>
               <a:solidFill>
-                <a:srgbClr val="9aabc3"/>
+                <a:srgbClr val="4c2b13"/>
               </a:solidFill>
             </c:spPr>
           </c:dPt>
@@ -390,7 +390,7 @@
             <c:idx val="5"/>
             <c:spPr>
               <a:solidFill>
-                <a:srgbClr val="6617c0"/>
+                <a:srgbClr val="aaffaa"/>
               </a:solidFill>
             </c:spPr>
           </c:dPt>
@@ -398,7 +398,7 @@
             <c:idx val="6"/>
             <c:spPr>
               <a:solidFill>
-                <a:srgbClr val="35adfa"/>
+                <a:srgbClr val="c76e06"/>
               </a:solidFill>
             </c:spPr>
           </c:dPt>
@@ -406,7 +406,7 @@
             <c:idx val="7"/>
             <c:spPr>
               <a:solidFill>
-                <a:srgbClr val="75e6a8"/>
+                <a:srgbClr val="82b317"/>
               </a:solidFill>
             </c:spPr>
           </c:dPt>
@@ -414,7 +414,7 @@
             <c:idx val="8"/>
             <c:spPr>
               <a:solidFill>
-                <a:srgbClr val="6c9eab"/>
+                <a:srgbClr val="f483d4"/>
               </a:solidFill>
             </c:spPr>
           </c:dPt>
@@ -422,7 +422,7 @@
             <c:idx val="9"/>
             <c:spPr>
               <a:solidFill>
-                <a:srgbClr val="c8cdd8"/>
+                <a:srgbClr val="c8801e"/>
               </a:solidFill>
             </c:spPr>
           </c:dPt>
@@ -430,7 +430,7 @@
             <c:idx val="10"/>
             <c:spPr>
               <a:solidFill>
-                <a:srgbClr val="e10690"/>
+                <a:srgbClr val="015fa9"/>
               </a:solidFill>
             </c:spPr>
           </c:dPt>
@@ -438,7 +438,7 @@
             <c:idx val="11"/>
             <c:spPr>
               <a:solidFill>
-                <a:srgbClr val="e03845"/>
+                <a:srgbClr val="263c5f"/>
               </a:solidFill>
             </c:spPr>
           </c:dPt>
@@ -446,7 +446,7 @@
             <c:idx val="12"/>
             <c:spPr>
               <a:solidFill>
-                <a:srgbClr val="3201ca"/>
+                <a:srgbClr val="3f3cce"/>
               </a:solidFill>
             </c:spPr>
           </c:dPt>
@@ -664,7 +664,7 @@
             <c:idx val="1"/>
             <c:spPr>
               <a:solidFill>
-                <a:srgbClr val="2d61db"/>
+                <a:srgbClr val="c4811b"/>
               </a:solidFill>
             </c:spPr>
           </c:dPt>
@@ -672,7 +672,7 @@
             <c:idx val="2"/>
             <c:spPr>
               <a:solidFill>
-                <a:srgbClr val="d0b4c5"/>
+                <a:srgbClr val="76f5ce"/>
               </a:solidFill>
             </c:spPr>
           </c:dPt>
@@ -680,7 +680,7 @@
             <c:idx val="3"/>
             <c:spPr>
               <a:solidFill>
-                <a:srgbClr val="83382a"/>
+                <a:srgbClr val="5e0f68"/>
               </a:solidFill>
             </c:spPr>
           </c:dPt>
@@ -688,7 +688,7 @@
             <c:idx val="4"/>
             <c:spPr>
               <a:solidFill>
-                <a:srgbClr val="9aabc3"/>
+                <a:srgbClr val="4c2b13"/>
               </a:solidFill>
             </c:spPr>
           </c:dPt>
@@ -696,7 +696,7 @@
             <c:idx val="5"/>
             <c:spPr>
               <a:solidFill>
-                <a:srgbClr val="6617c0"/>
+                <a:srgbClr val="aaffaa"/>
               </a:solidFill>
             </c:spPr>
           </c:dPt>
@@ -704,7 +704,7 @@
             <c:idx val="6"/>
             <c:spPr>
               <a:solidFill>
-                <a:srgbClr val="35adfa"/>
+                <a:srgbClr val="c76e06"/>
               </a:solidFill>
             </c:spPr>
           </c:dPt>
@@ -712,7 +712,7 @@
             <c:idx val="7"/>
             <c:spPr>
               <a:solidFill>
-                <a:srgbClr val="75e6a8"/>
+                <a:srgbClr val="82b317"/>
               </a:solidFill>
             </c:spPr>
           </c:dPt>
@@ -720,7 +720,7 @@
             <c:idx val="8"/>
             <c:spPr>
               <a:solidFill>
-                <a:srgbClr val="6c9eab"/>
+                <a:srgbClr val="f483d4"/>
               </a:solidFill>
             </c:spPr>
           </c:dPt>
@@ -728,7 +728,7 @@
             <c:idx val="9"/>
             <c:spPr>
               <a:solidFill>
-                <a:srgbClr val="c8cdd8"/>
+                <a:srgbClr val="c8801e"/>
               </a:solidFill>
             </c:spPr>
           </c:dPt>
@@ -736,7 +736,7 @@
             <c:idx val="10"/>
             <c:spPr>
               <a:solidFill>
-                <a:srgbClr val="e10690"/>
+                <a:srgbClr val="015fa9"/>
               </a:solidFill>
             </c:spPr>
           </c:dPt>
@@ -744,7 +744,7 @@
             <c:idx val="11"/>
             <c:spPr>
               <a:solidFill>
-                <a:srgbClr val="e03845"/>
+                <a:srgbClr val="263c5f"/>
               </a:solidFill>
             </c:spPr>
           </c:dPt>
@@ -752,7 +752,7 @@
             <c:idx val="12"/>
             <c:spPr>
               <a:solidFill>
-                <a:srgbClr val="3201ca"/>
+                <a:srgbClr val="3f3cce"/>
               </a:solidFill>
             </c:spPr>
           </c:dPt>
@@ -11773,7 +11773,7 @@
       </p:sp>
       <p:graphicFrame>
         <p:nvGraphicFramePr>
-          <p:cNvPr id="315" name="Chart 3"/>
+          <p:cNvPr id="3702" name="Chart 3"/>
           <p:cNvGraphicFramePr/>
           <p:nvPr>
                     </p:nvPr>

--- a/examples/solar_system_example/pptx/output.pptx
+++ b/examples/solar_system_example/pptx/output.pptx
@@ -358,7 +358,7 @@
             <c:idx val="1"/>
             <c:spPr>
               <a:solidFill>
-                <a:srgbClr val="c4811b"/>
+                <a:srgbClr val="383eeb"/>
               </a:solidFill>
             </c:spPr>
           </c:dPt>
@@ -366,7 +366,7 @@
             <c:idx val="2"/>
             <c:spPr>
               <a:solidFill>
-                <a:srgbClr val="76f5ce"/>
+                <a:srgbClr val="89d11b"/>
               </a:solidFill>
             </c:spPr>
           </c:dPt>
@@ -374,7 +374,7 @@
             <c:idx val="3"/>
             <c:spPr>
               <a:solidFill>
-                <a:srgbClr val="5e0f68"/>
+                <a:srgbClr val="afe80c"/>
               </a:solidFill>
             </c:spPr>
           </c:dPt>
@@ -382,7 +382,7 @@
             <c:idx val="4"/>
             <c:spPr>
               <a:solidFill>
-                <a:srgbClr val="4c2b13"/>
+                <a:srgbClr val="d0663d"/>
               </a:solidFill>
             </c:spPr>
           </c:dPt>
@@ -390,7 +390,7 @@
             <c:idx val="5"/>
             <c:spPr>
               <a:solidFill>
-                <a:srgbClr val="aaffaa"/>
+                <a:srgbClr val="c9afee"/>
               </a:solidFill>
             </c:spPr>
           </c:dPt>
@@ -398,7 +398,7 @@
             <c:idx val="6"/>
             <c:spPr>
               <a:solidFill>
-                <a:srgbClr val="c76e06"/>
+                <a:srgbClr val="46e0f2"/>
               </a:solidFill>
             </c:spPr>
           </c:dPt>
@@ -406,7 +406,7 @@
             <c:idx val="7"/>
             <c:spPr>
               <a:solidFill>
-                <a:srgbClr val="82b317"/>
+                <a:srgbClr val="9b247b"/>
               </a:solidFill>
             </c:spPr>
           </c:dPt>
@@ -414,7 +414,7 @@
             <c:idx val="8"/>
             <c:spPr>
               <a:solidFill>
-                <a:srgbClr val="f483d4"/>
+                <a:srgbClr val="192550"/>
               </a:solidFill>
             </c:spPr>
           </c:dPt>
@@ -422,7 +422,7 @@
             <c:idx val="9"/>
             <c:spPr>
               <a:solidFill>
-                <a:srgbClr val="c8801e"/>
+                <a:srgbClr val="df93fe"/>
               </a:solidFill>
             </c:spPr>
           </c:dPt>
@@ -430,7 +430,7 @@
             <c:idx val="10"/>
             <c:spPr>
               <a:solidFill>
-                <a:srgbClr val="015fa9"/>
+                <a:srgbClr val="dc6231"/>
               </a:solidFill>
             </c:spPr>
           </c:dPt>
@@ -438,7 +438,7 @@
             <c:idx val="11"/>
             <c:spPr>
               <a:solidFill>
-                <a:srgbClr val="263c5f"/>
+                <a:srgbClr val="ec0b5b"/>
               </a:solidFill>
             </c:spPr>
           </c:dPt>
@@ -446,7 +446,7 @@
             <c:idx val="12"/>
             <c:spPr>
               <a:solidFill>
-                <a:srgbClr val="3f3cce"/>
+                <a:srgbClr val="ccc019"/>
               </a:solidFill>
             </c:spPr>
           </c:dPt>
@@ -504,40 +504,40 @@
                 <c:formatCode>General</c:formatCode>
                 <c:ptCount val="13"/>
                 <c:pt idx="0">
-                  <c:v>476.2</c:v>
+                  <c:v>487</c:v>
                 </c:pt>
                 <c:pt idx="1">
-                  <c:v>1163</c:v>
+                  <c:v>0</c:v>
                 </c:pt>
                 <c:pt idx="2">
-                  <c:v>25362</c:v>
+                  <c:v>25559</c:v>
                 </c:pt>
                 <c:pt idx="3">
                   <c:v>1188.3</c:v>
                 </c:pt>
                 <c:pt idx="4">
-                  <c:v>24622</c:v>
+                  <c:v>24764</c:v>
                 </c:pt>
                 <c:pt idx="5">
-                  <c:v>33</c:v>
+                  <c:v>0</c:v>
                 </c:pt>
                 <c:pt idx="6">
-                  <c:v>725</c:v>
+                  <c:v>745</c:v>
                 </c:pt>
                 <c:pt idx="7">
-                  <c:v>69911</c:v>
+                  <c:v>71492</c:v>
                 </c:pt>
                 <c:pt idx="8">
-                  <c:v>3389.5</c:v>
+                  <c:v>3396.19</c:v>
                 </c:pt>
                 <c:pt idx="9">
-                  <c:v>2439.4</c:v>
+                  <c:v>2440.53</c:v>
                 </c:pt>
                 <c:pt idx="10">
-                  <c:v>58232</c:v>
+                  <c:v>60268</c:v>
                 </c:pt>
                 <c:pt idx="11">
-                  <c:v>6371.0084</c:v>
+                  <c:v>6378.1366</c:v>
                 </c:pt>
                 <c:pt idx="12">
                   <c:v>6051.8</c:v>
@@ -664,7 +664,7 @@
             <c:idx val="1"/>
             <c:spPr>
               <a:solidFill>
-                <a:srgbClr val="c4811b"/>
+                <a:srgbClr val="383eeb"/>
               </a:solidFill>
             </c:spPr>
           </c:dPt>
@@ -672,7 +672,7 @@
             <c:idx val="2"/>
             <c:spPr>
               <a:solidFill>
-                <a:srgbClr val="76f5ce"/>
+                <a:srgbClr val="89d11b"/>
               </a:solidFill>
             </c:spPr>
           </c:dPt>
@@ -680,7 +680,7 @@
             <c:idx val="3"/>
             <c:spPr>
               <a:solidFill>
-                <a:srgbClr val="5e0f68"/>
+                <a:srgbClr val="afe80c"/>
               </a:solidFill>
             </c:spPr>
           </c:dPt>
@@ -688,7 +688,7 @@
             <c:idx val="4"/>
             <c:spPr>
               <a:solidFill>
-                <a:srgbClr val="4c2b13"/>
+                <a:srgbClr val="d0663d"/>
               </a:solidFill>
             </c:spPr>
           </c:dPt>
@@ -696,7 +696,7 @@
             <c:idx val="5"/>
             <c:spPr>
               <a:solidFill>
-                <a:srgbClr val="aaffaa"/>
+                <a:srgbClr val="c9afee"/>
               </a:solidFill>
             </c:spPr>
           </c:dPt>
@@ -704,7 +704,7 @@
             <c:idx val="6"/>
             <c:spPr>
               <a:solidFill>
-                <a:srgbClr val="c76e06"/>
+                <a:srgbClr val="46e0f2"/>
               </a:solidFill>
             </c:spPr>
           </c:dPt>
@@ -712,7 +712,7 @@
             <c:idx val="7"/>
             <c:spPr>
               <a:solidFill>
-                <a:srgbClr val="82b317"/>
+                <a:srgbClr val="9b247b"/>
               </a:solidFill>
             </c:spPr>
           </c:dPt>
@@ -720,7 +720,7 @@
             <c:idx val="8"/>
             <c:spPr>
               <a:solidFill>
-                <a:srgbClr val="f483d4"/>
+                <a:srgbClr val="192550"/>
               </a:solidFill>
             </c:spPr>
           </c:dPt>
@@ -728,7 +728,7 @@
             <c:idx val="9"/>
             <c:spPr>
               <a:solidFill>
-                <a:srgbClr val="c8801e"/>
+                <a:srgbClr val="df93fe"/>
               </a:solidFill>
             </c:spPr>
           </c:dPt>
@@ -736,7 +736,7 @@
             <c:idx val="10"/>
             <c:spPr>
               <a:solidFill>
-                <a:srgbClr val="015fa9"/>
+                <a:srgbClr val="dc6231"/>
               </a:solidFill>
             </c:spPr>
           </c:dPt>
@@ -744,7 +744,7 @@
             <c:idx val="11"/>
             <c:spPr>
               <a:solidFill>
-                <a:srgbClr val="263c5f"/>
+                <a:srgbClr val="ec0b5b"/>
               </a:solidFill>
             </c:spPr>
           </c:dPt>
@@ -752,7 +752,7 @@
             <c:idx val="12"/>
             <c:spPr>
               <a:solidFill>
-                <a:srgbClr val="3f3cce"/>
+                <a:srgbClr val="ccc019"/>
               </a:solidFill>
             </c:spPr>
           </c:dPt>
@@ -810,40 +810,40 @@
                 <c:formatCode>General</c:formatCode>
                 <c:ptCount val="13"/>
                 <c:pt idx="0">
-                  <c:v>476.2</c:v>
+                  <c:v>487</c:v>
                 </c:pt>
                 <c:pt idx="1">
-                  <c:v>1163</c:v>
+                  <c:v>0</c:v>
                 </c:pt>
                 <c:pt idx="2">
-                  <c:v>25362</c:v>
+                  <c:v>25559</c:v>
                 </c:pt>
                 <c:pt idx="3">
                   <c:v>1188.3</c:v>
                 </c:pt>
                 <c:pt idx="4">
-                  <c:v>24622</c:v>
+                  <c:v>24764</c:v>
                 </c:pt>
                 <c:pt idx="5">
-                  <c:v>33</c:v>
+                  <c:v>0</c:v>
                 </c:pt>
                 <c:pt idx="6">
-                  <c:v>725</c:v>
+                  <c:v>745</c:v>
                 </c:pt>
                 <c:pt idx="7">
-                  <c:v>69911</c:v>
+                  <c:v>71492</c:v>
                 </c:pt>
                 <c:pt idx="8">
-                  <c:v>3389.5</c:v>
+                  <c:v>3396.19</c:v>
                 </c:pt>
                 <c:pt idx="9">
-                  <c:v>2439.4</c:v>
+                  <c:v>2440.53</c:v>
                 </c:pt>
                 <c:pt idx="10">
-                  <c:v>58232</c:v>
+                  <c:v>60268</c:v>
                 </c:pt>
                 <c:pt idx="11">
-                  <c:v>6371.0084</c:v>
+                  <c:v>6378.1366</c:v>
                 </c:pt>
                 <c:pt idx="12">
                   <c:v>6051.8</c:v>
@@ -11773,7 +11773,7 @@
       </p:sp>
       <p:graphicFrame>
         <p:nvGraphicFramePr>
-          <p:cNvPr id="3702" name="Chart 3"/>
+          <p:cNvPr id="3109" name="Chart 3"/>
           <p:cNvGraphicFramePr/>
           <p:nvPr>
                     </p:nvPr>

--- a/examples/solar_system_example/pptx/output.pptx
+++ b/examples/solar_system_example/pptx/output.pptx
@@ -358,7 +358,7 @@
             <c:idx val="1"/>
             <c:spPr>
               <a:solidFill>
-                <a:srgbClr val="383eeb"/>
+                <a:srgbClr val="824770"/>
               </a:solidFill>
             </c:spPr>
           </c:dPt>
@@ -366,7 +366,7 @@
             <c:idx val="2"/>
             <c:spPr>
               <a:solidFill>
-                <a:srgbClr val="89d11b"/>
+                <a:srgbClr val="93561a"/>
               </a:solidFill>
             </c:spPr>
           </c:dPt>
@@ -374,7 +374,7 @@
             <c:idx val="3"/>
             <c:spPr>
               <a:solidFill>
-                <a:srgbClr val="afe80c"/>
+                <a:srgbClr val="7d9b82"/>
               </a:solidFill>
             </c:spPr>
           </c:dPt>
@@ -382,7 +382,7 @@
             <c:idx val="4"/>
             <c:spPr>
               <a:solidFill>
-                <a:srgbClr val="d0663d"/>
+                <a:srgbClr val="cd2700"/>
               </a:solidFill>
             </c:spPr>
           </c:dPt>
@@ -390,7 +390,7 @@
             <c:idx val="5"/>
             <c:spPr>
               <a:solidFill>
-                <a:srgbClr val="c9afee"/>
+                <a:srgbClr val="811fcb"/>
               </a:solidFill>
             </c:spPr>
           </c:dPt>
@@ -398,7 +398,7 @@
             <c:idx val="6"/>
             <c:spPr>
               <a:solidFill>
-                <a:srgbClr val="46e0f2"/>
+                <a:srgbClr val="c55dc3"/>
               </a:solidFill>
             </c:spPr>
           </c:dPt>
@@ -406,7 +406,7 @@
             <c:idx val="7"/>
             <c:spPr>
               <a:solidFill>
-                <a:srgbClr val="9b247b"/>
+                <a:srgbClr val="0b377d"/>
               </a:solidFill>
             </c:spPr>
           </c:dPt>
@@ -414,7 +414,7 @@
             <c:idx val="8"/>
             <c:spPr>
               <a:solidFill>
-                <a:srgbClr val="192550"/>
+                <a:srgbClr val="adb7e8"/>
               </a:solidFill>
             </c:spPr>
           </c:dPt>
@@ -422,7 +422,7 @@
             <c:idx val="9"/>
             <c:spPr>
               <a:solidFill>
-                <a:srgbClr val="df93fe"/>
+                <a:srgbClr val="a63b01"/>
               </a:solidFill>
             </c:spPr>
           </c:dPt>
@@ -430,7 +430,7 @@
             <c:idx val="10"/>
             <c:spPr>
               <a:solidFill>
-                <a:srgbClr val="dc6231"/>
+                <a:srgbClr val="4b5935"/>
               </a:solidFill>
             </c:spPr>
           </c:dPt>
@@ -438,7 +438,7 @@
             <c:idx val="11"/>
             <c:spPr>
               <a:solidFill>
-                <a:srgbClr val="ec0b5b"/>
+                <a:srgbClr val="e2d683"/>
               </a:solidFill>
             </c:spPr>
           </c:dPt>
@@ -446,7 +446,7 @@
             <c:idx val="12"/>
             <c:spPr>
               <a:solidFill>
-                <a:srgbClr val="ccc019"/>
+                <a:srgbClr val="dacf6f"/>
               </a:solidFill>
             </c:spPr>
           </c:dPt>
@@ -664,7 +664,7 @@
             <c:idx val="1"/>
             <c:spPr>
               <a:solidFill>
-                <a:srgbClr val="383eeb"/>
+                <a:srgbClr val="824770"/>
               </a:solidFill>
             </c:spPr>
           </c:dPt>
@@ -672,7 +672,7 @@
             <c:idx val="2"/>
             <c:spPr>
               <a:solidFill>
-                <a:srgbClr val="89d11b"/>
+                <a:srgbClr val="93561a"/>
               </a:solidFill>
             </c:spPr>
           </c:dPt>
@@ -680,7 +680,7 @@
             <c:idx val="3"/>
             <c:spPr>
               <a:solidFill>
-                <a:srgbClr val="afe80c"/>
+                <a:srgbClr val="7d9b82"/>
               </a:solidFill>
             </c:spPr>
           </c:dPt>
@@ -688,7 +688,7 @@
             <c:idx val="4"/>
             <c:spPr>
               <a:solidFill>
-                <a:srgbClr val="d0663d"/>
+                <a:srgbClr val="cd2700"/>
               </a:solidFill>
             </c:spPr>
           </c:dPt>
@@ -696,7 +696,7 @@
             <c:idx val="5"/>
             <c:spPr>
               <a:solidFill>
-                <a:srgbClr val="c9afee"/>
+                <a:srgbClr val="811fcb"/>
               </a:solidFill>
             </c:spPr>
           </c:dPt>
@@ -704,7 +704,7 @@
             <c:idx val="6"/>
             <c:spPr>
               <a:solidFill>
-                <a:srgbClr val="46e0f2"/>
+                <a:srgbClr val="c55dc3"/>
               </a:solidFill>
             </c:spPr>
           </c:dPt>
@@ -712,7 +712,7 @@
             <c:idx val="7"/>
             <c:spPr>
               <a:solidFill>
-                <a:srgbClr val="9b247b"/>
+                <a:srgbClr val="0b377d"/>
               </a:solidFill>
             </c:spPr>
           </c:dPt>
@@ -720,7 +720,7 @@
             <c:idx val="8"/>
             <c:spPr>
               <a:solidFill>
-                <a:srgbClr val="192550"/>
+                <a:srgbClr val="adb7e8"/>
               </a:solidFill>
             </c:spPr>
           </c:dPt>
@@ -728,7 +728,7 @@
             <c:idx val="9"/>
             <c:spPr>
               <a:solidFill>
-                <a:srgbClr val="df93fe"/>
+                <a:srgbClr val="a63b01"/>
               </a:solidFill>
             </c:spPr>
           </c:dPt>
@@ -736,7 +736,7 @@
             <c:idx val="10"/>
             <c:spPr>
               <a:solidFill>
-                <a:srgbClr val="dc6231"/>
+                <a:srgbClr val="4b5935"/>
               </a:solidFill>
             </c:spPr>
           </c:dPt>
@@ -744,7 +744,7 @@
             <c:idx val="11"/>
             <c:spPr>
               <a:solidFill>
-                <a:srgbClr val="ec0b5b"/>
+                <a:srgbClr val="e2d683"/>
               </a:solidFill>
             </c:spPr>
           </c:dPt>
@@ -752,7 +752,7 @@
             <c:idx val="12"/>
             <c:spPr>
               <a:solidFill>
-                <a:srgbClr val="ccc019"/>
+                <a:srgbClr val="dacf6f"/>
               </a:solidFill>
             </c:spPr>
           </c:dPt>
@@ -11773,7 +11773,7 @@
       </p:sp>
       <p:graphicFrame>
         <p:nvGraphicFramePr>
-          <p:cNvPr id="3109" name="Chart 3"/>
+          <p:cNvPr id="3706" name="Chart 3"/>
           <p:cNvGraphicFramePr/>
           <p:nvPr>
                     </p:nvPr>
